--- a/プログラム問題/OPC_001/OPC_001_プログラム実装問題.pptx
+++ b/プログラム問題/OPC_001/OPC_001_プログラム実装問題.pptx
@@ -229,7 +229,7 @@
           <a:p>
             <a:fld id="{3FCCBFB4-DFB5-D147-96C7-1A138513DC99}" type="datetimeFigureOut">
               <a:rPr kumimoji="1" lang="ja-JP" altLang="en-US" smtClean="0"/>
-              <a:t>2022/11/9</a:t>
+              <a:t>2022/11/15</a:t>
             </a:fld>
             <a:endParaRPr kumimoji="1" lang="ja-JP" altLang="en-US"/>
           </a:p>
@@ -638,7 +638,7 @@
           <a:p>
             <a:fld id="{0E1AFFBC-72C7-6342-91C9-5058E67245FA}" type="datetime1">
               <a:rPr kumimoji="1" lang="ja-JP" altLang="en-US" smtClean="0"/>
-              <a:t>2022/11/9</a:t>
+              <a:t>2022/11/15</a:t>
             </a:fld>
             <a:endParaRPr kumimoji="1" lang="ja-JP" altLang="en-US"/>
           </a:p>
@@ -953,7 +953,7 @@
           <a:p>
             <a:fld id="{67CEFD8D-F31C-A14E-871B-246CC3DDD766}" type="datetime1">
               <a:rPr kumimoji="1" lang="ja-JP" altLang="en-US" smtClean="0"/>
-              <a:t>2022/11/9</a:t>
+              <a:t>2022/11/15</a:t>
             </a:fld>
             <a:endParaRPr kumimoji="1" lang="ja-JP" altLang="en-US"/>
           </a:p>
@@ -1193,7 +1193,7 @@
           <a:p>
             <a:fld id="{676CB9A4-DA05-7246-8E7F-2486E873B0B4}" type="datetime1">
               <a:rPr kumimoji="1" lang="ja-JP" altLang="en-US" smtClean="0"/>
-              <a:t>2022/11/9</a:t>
+              <a:t>2022/11/15</a:t>
             </a:fld>
             <a:endParaRPr kumimoji="1" lang="ja-JP" altLang="en-US"/>
           </a:p>
@@ -1433,7 +1433,7 @@
           <a:p>
             <a:fld id="{7A4EC886-C738-4F4E-BEB9-CDC76A4DF400}" type="datetime1">
               <a:rPr kumimoji="1" lang="ja-JP" altLang="en-US" smtClean="0"/>
-              <a:t>2022/11/9</a:t>
+              <a:t>2022/11/15</a:t>
             </a:fld>
             <a:endParaRPr kumimoji="1" lang="ja-JP" altLang="en-US"/>
           </a:p>
@@ -1760,7 +1760,7 @@
           <a:p>
             <a:fld id="{6F40AC47-0861-4043-9704-5C1065CFAFE2}" type="datetime1">
               <a:rPr kumimoji="1" lang="ja-JP" altLang="en-US" smtClean="0"/>
-              <a:t>2022/11/9</a:t>
+              <a:t>2022/11/15</a:t>
             </a:fld>
             <a:endParaRPr kumimoji="1" lang="ja-JP" altLang="en-US"/>
           </a:p>
@@ -2113,7 +2113,7 @@
           <a:p>
             <a:fld id="{5AE29C74-9877-044B-B427-A2C6B7AEB44B}" type="datetime1">
               <a:rPr kumimoji="1" lang="ja-JP" altLang="en-US" smtClean="0"/>
-              <a:t>2022/11/9</a:t>
+              <a:t>2022/11/15</a:t>
             </a:fld>
             <a:endParaRPr kumimoji="1" lang="ja-JP" altLang="en-US"/>
           </a:p>
@@ -2695,7 +2695,7 @@
           <a:p>
             <a:fld id="{D740C151-44B3-8B43-AE75-19B907FC2FB4}" type="datetime1">
               <a:rPr kumimoji="1" lang="ja-JP" altLang="en-US" smtClean="0"/>
-              <a:t>2022/11/9</a:t>
+              <a:t>2022/11/15</a:t>
             </a:fld>
             <a:endParaRPr kumimoji="1" lang="ja-JP" altLang="en-US"/>
           </a:p>
@@ -2836,7 +2836,7 @@
           <a:p>
             <a:fld id="{E062104C-2005-D246-9C99-F6F33C3A45D3}" type="datetime1">
               <a:rPr kumimoji="1" lang="ja-JP" altLang="en-US" smtClean="0"/>
-              <a:t>2022/11/9</a:t>
+              <a:t>2022/11/15</a:t>
             </a:fld>
             <a:endParaRPr kumimoji="1" lang="ja-JP" altLang="en-US"/>
           </a:p>
@@ -2949,7 +2949,7 @@
           <a:p>
             <a:fld id="{A60AA83E-38DA-A941-B2B6-45ADB3553483}" type="datetime1">
               <a:rPr kumimoji="1" lang="ja-JP" altLang="en-US" smtClean="0"/>
-              <a:t>2022/11/9</a:t>
+              <a:t>2022/11/15</a:t>
             </a:fld>
             <a:endParaRPr kumimoji="1" lang="ja-JP" altLang="en-US"/>
           </a:p>
@@ -3292,7 +3292,7 @@
           <a:p>
             <a:fld id="{4CFF9E90-FBD2-284D-9F29-DCA32E634455}" type="datetime1">
               <a:rPr kumimoji="1" lang="ja-JP" altLang="en-US" smtClean="0"/>
-              <a:t>2022/11/9</a:t>
+              <a:t>2022/11/15</a:t>
             </a:fld>
             <a:endParaRPr kumimoji="1" lang="ja-JP" altLang="en-US"/>
           </a:p>
@@ -3580,7 +3580,7 @@
           <a:p>
             <a:fld id="{AE49DD36-2E92-5343-9757-8BE5E786BF65}" type="datetime1">
               <a:rPr kumimoji="1" lang="ja-JP" altLang="en-US" smtClean="0"/>
-              <a:t>2022/11/9</a:t>
+              <a:t>2022/11/15</a:t>
             </a:fld>
             <a:endParaRPr kumimoji="1" lang="ja-JP" altLang="en-US"/>
           </a:p>
@@ -3853,7 +3853,7 @@
           <a:p>
             <a:fld id="{C77DF9D3-6C03-CF4D-B406-5865A731B699}" type="datetime1">
               <a:rPr kumimoji="1" lang="ja-JP" altLang="en-US" smtClean="0"/>
-              <a:t>2022/11/9</a:t>
+              <a:t>2022/11/15</a:t>
             </a:fld>
             <a:endParaRPr kumimoji="1" lang="ja-JP" altLang="en-US"/>
           </a:p>
@@ -4470,8 +4470,8 @@
           </a:p>
         </p:txBody>
       </p:sp>
-      <mc:AlternateContent xmlns:mc="http://schemas.openxmlformats.org/markup-compatibility/2006" xmlns:a14="http://schemas.microsoft.com/office/drawing/2010/main">
-        <mc:Choice Requires="a14">
+      <mc:AlternateContent xmlns:mc="http://schemas.openxmlformats.org/markup-compatibility/2006">
+        <mc:Choice xmlns:a14="http://schemas.microsoft.com/office/drawing/2010/main" Requires="a14">
           <p:sp>
             <p:nvSpPr>
               <p:cNvPr id="3" name="コンテンツ プレースホルダー 2">
@@ -4684,18 +4684,43 @@
                   <m:oMath xmlns:m="http://schemas.openxmlformats.org/officeDocument/2006/math">
                     <m:r>
                       <a:rPr kumimoji="1" lang="en-US" altLang="ja-JP" b="0" i="1" smtClean="0">
+                        <a:solidFill>
+                          <a:srgbClr val="FF0000"/>
+                        </a:solidFill>
                         <a:latin typeface="Cambria Math" panose="02040503050406030204" pitchFamily="18" charset="0"/>
                       </a:rPr>
-                      <m:t>𝑁</m:t>
+                      <m:t>𝐴</m:t>
+                    </m:r>
+                    <m:r>
+                      <a:rPr kumimoji="1" lang="en-US" altLang="ja-JP" b="0" i="1" smtClean="0">
+                        <a:solidFill>
+                          <a:srgbClr val="FF0000"/>
+                        </a:solidFill>
+                        <a:latin typeface="Cambria Math" panose="02040503050406030204" pitchFamily="18" charset="0"/>
+                      </a:rPr>
+                      <m:t> </m:t>
+                    </m:r>
+                    <m:r>
+                      <a:rPr kumimoji="1" lang="en-US" altLang="ja-JP" b="0" i="1" smtClean="0">
+                        <a:solidFill>
+                          <a:srgbClr val="FF0000"/>
+                        </a:solidFill>
+                        <a:latin typeface="Cambria Math" panose="02040503050406030204" pitchFamily="18" charset="0"/>
+                      </a:rPr>
+                      <m:t>𝐵</m:t>
                     </m:r>
                   </m:oMath>
                 </a14:m>
-                <a:endParaRPr kumimoji="1" lang="en-US" altLang="ja-JP" dirty="0"/>
+                <a:endParaRPr kumimoji="1" lang="en-US" altLang="ja-JP" dirty="0">
+                  <a:solidFill>
+                    <a:srgbClr val="FF0000"/>
+                  </a:solidFill>
+                </a:endParaRPr>
               </a:p>
             </p:txBody>
           </p:sp>
         </mc:Choice>
-        <mc:Fallback xmlns="">
+        <mc:Fallback>
           <p:sp>
             <p:nvSpPr>
               <p:cNvPr id="3" name="コンテンツ プレースホルダー 2">
@@ -8481,8 +8506,8 @@
           </a:p>
         </p:txBody>
       </p:sp>
-      <mc:AlternateContent xmlns:mc="http://schemas.openxmlformats.org/markup-compatibility/2006" xmlns:a14="http://schemas.microsoft.com/office/drawing/2010/main">
-        <mc:Choice Requires="a14">
+      <mc:AlternateContent xmlns:mc="http://schemas.openxmlformats.org/markup-compatibility/2006">
+        <mc:Choice xmlns:a14="http://schemas.microsoft.com/office/drawing/2010/main" Requires="a14">
           <p:graphicFrame>
             <p:nvGraphicFramePr>
               <p:cNvPr id="6" name="表 5">
@@ -8498,7 +8523,7 @@
               <p:nvPr>
                 <p:extLst>
                   <p:ext uri="{D42A27DB-BD31-4B8C-83A1-F6EECF244321}">
-                    <p14:modId xmlns:p14="http://schemas.microsoft.com/office/powerpoint/2010/main" val="3365974042"/>
+                    <p14:modId xmlns:p14="http://schemas.microsoft.com/office/powerpoint/2010/main" val="1428886424"/>
                   </p:ext>
                 </p:extLst>
               </p:nvPr>
@@ -8558,7 +8583,16 @@
                                   <a:rPr kumimoji="1" lang="en-US" altLang="ja-JP" b="0" i="1" smtClean="0">
                                     <a:latin typeface="Cambria Math" panose="02040503050406030204" pitchFamily="18" charset="0"/>
                                   </a:rPr>
-                                  <m:t>20 35 10 50 60</m:t>
+                                  <m:t>20 35 10 50 60 </m:t>
+                                </m:r>
+                                <m:r>
+                                  <a:rPr kumimoji="1" lang="en-US" altLang="ja-JP" b="0" i="1" smtClean="0">
+                                    <a:solidFill>
+                                      <a:srgbClr val="FF0000"/>
+                                    </a:solidFill>
+                                    <a:latin typeface="Cambria Math" panose="02040503050406030204" pitchFamily="18" charset="0"/>
+                                  </a:rPr>
+                                  <m:t>6</m:t>
                                 </m:r>
                               </m:oMath>
                             </m:oMathPara>
@@ -8579,7 +8613,7 @@
             </a:graphic>
           </p:graphicFrame>
         </mc:Choice>
-        <mc:Fallback xmlns="">
+        <mc:Fallback>
           <p:graphicFrame>
             <p:nvGraphicFramePr>
               <p:cNvPr id="6" name="表 5">
@@ -8595,7 +8629,7 @@
               <p:nvPr>
                 <p:extLst>
                   <p:ext uri="{D42A27DB-BD31-4B8C-83A1-F6EECF244321}">
-                    <p14:modId xmlns:p14="http://schemas.microsoft.com/office/powerpoint/2010/main" val="3365974042"/>
+                    <p14:modId xmlns:p14="http://schemas.microsoft.com/office/powerpoint/2010/main" val="1428886424"/>
                   </p:ext>
                 </p:extLst>
               </p:nvPr>
@@ -12479,8 +12513,8 @@
           </a:p>
         </p:txBody>
       </p:sp>
-      <mc:AlternateContent xmlns:mc="http://schemas.openxmlformats.org/markup-compatibility/2006" xmlns:a14="http://schemas.microsoft.com/office/drawing/2010/main">
-        <mc:Choice Requires="a14">
+      <mc:AlternateContent xmlns:mc="http://schemas.openxmlformats.org/markup-compatibility/2006">
+        <mc:Choice xmlns:a14="http://schemas.microsoft.com/office/drawing/2010/main" Requires="a14">
           <p:graphicFrame>
             <p:nvGraphicFramePr>
               <p:cNvPr id="6" name="表 5">
@@ -12493,7 +12527,13 @@
               <p:cNvGraphicFramePr>
                 <a:graphicFrameLocks noGrp="1"/>
               </p:cNvGraphicFramePr>
-              <p:nvPr/>
+              <p:nvPr>
+                <p:extLst>
+                  <p:ext uri="{D42A27DB-BD31-4B8C-83A1-F6EECF244321}">
+                    <p14:modId xmlns:p14="http://schemas.microsoft.com/office/powerpoint/2010/main" val="3815128037"/>
+                  </p:ext>
+                </p:extLst>
+              </p:nvPr>
             </p:nvGraphicFramePr>
             <p:xfrm>
               <a:off x="1585253" y="2162264"/>
@@ -12550,7 +12590,16 @@
                                   <a:rPr kumimoji="1" lang="en-US" altLang="ja-JP" b="0" i="1" smtClean="0">
                                     <a:latin typeface="Cambria Math" panose="02040503050406030204" pitchFamily="18" charset="0"/>
                                   </a:rPr>
-                                  <m:t>20 35 10 50 60</m:t>
+                                  <m:t>20 35 10 50 60 </m:t>
+                                </m:r>
+                                <m:r>
+                                  <a:rPr kumimoji="1" lang="en-US" altLang="ja-JP" b="0" i="1" smtClean="0">
+                                    <a:solidFill>
+                                      <a:srgbClr val="FF0000"/>
+                                    </a:solidFill>
+                                    <a:latin typeface="Cambria Math" panose="02040503050406030204" pitchFamily="18" charset="0"/>
+                                  </a:rPr>
+                                  <m:t>6</m:t>
                                 </m:r>
                               </m:oMath>
                             </m:oMathPara>
@@ -12571,7 +12620,7 @@
             </a:graphic>
           </p:graphicFrame>
         </mc:Choice>
-        <mc:Fallback xmlns="">
+        <mc:Fallback>
           <p:graphicFrame>
             <p:nvGraphicFramePr>
               <p:cNvPr id="6" name="表 5">
@@ -12584,7 +12633,13 @@
               <p:cNvGraphicFramePr>
                 <a:graphicFrameLocks noGrp="1"/>
               </p:cNvGraphicFramePr>
-              <p:nvPr/>
+              <p:nvPr>
+                <p:extLst>
+                  <p:ext uri="{D42A27DB-BD31-4B8C-83A1-F6EECF244321}">
+                    <p14:modId xmlns:p14="http://schemas.microsoft.com/office/powerpoint/2010/main" val="3815128037"/>
+                  </p:ext>
+                </p:extLst>
+              </p:nvPr>
             </p:nvGraphicFramePr>
             <p:xfrm>
               <a:off x="1585253" y="2162264"/>
